--- a/Slides/Lesson 5.4 Testing Systems.pptx
+++ b/Slides/Lesson 5.4 Testing Systems.pptx
@@ -243,7 +243,7 @@
           <a:p>
             <a:fld id="{7C7E5181-6CF5-45F7-A87A-E0E0B1FD7549}" type="datetimeFigureOut">
               <a:rPr lang="en-US" smtClean="0"/>
-              <a:t>10/20/2021</a:t>
+              <a:t>2/8/2022</a:t>
             </a:fld>
             <a:endParaRPr lang="en-US"/>
           </a:p>
@@ -666,7 +666,7 @@
           <a:p>
             <a:fld id="{5D2A64DE-480B-420F-9649-4F8E696E08E0}" type="datetime1">
               <a:rPr lang="en-US" smtClean="0"/>
-              <a:t>10/20/2021</a:t>
+              <a:t>2/8/2022</a:t>
             </a:fld>
             <a:endParaRPr lang="en-US"/>
           </a:p>
@@ -900,7 +900,7 @@
           <a:p>
             <a:fld id="{0D3616D0-8311-4107-9726-6B805E7D05BA}" type="datetime1">
               <a:rPr lang="en-US" smtClean="0"/>
-              <a:t>10/20/2021</a:t>
+              <a:t>2/8/2022</a:t>
             </a:fld>
             <a:endParaRPr lang="en-US"/>
           </a:p>
@@ -1108,7 +1108,7 @@
           <a:p>
             <a:fld id="{3BC2557A-5C88-417A-A763-5AC779462A5F}" type="datetime1">
               <a:rPr lang="en-US" smtClean="0"/>
-              <a:t>10/20/2021</a:t>
+              <a:t>2/8/2022</a:t>
             </a:fld>
             <a:endParaRPr lang="en-US"/>
           </a:p>
@@ -1638,7 +1638,7 @@
           <a:p>
             <a:fld id="{07C7BFD4-467E-4EDE-93EA-052F5B39A4E5}" type="datetime1">
               <a:rPr lang="en-US" smtClean="0"/>
-              <a:t>10/20/2021</a:t>
+              <a:t>2/8/2022</a:t>
             </a:fld>
             <a:endParaRPr lang="en-US"/>
           </a:p>
@@ -1952,7 +1952,7 @@
           <a:p>
             <a:fld id="{A533CBE2-D5BE-47AC-ADC2-9CDFC1D0CF90}" type="datetime1">
               <a:rPr lang="en-US" smtClean="0"/>
-              <a:t>10/20/2021</a:t>
+              <a:t>2/8/2022</a:t>
             </a:fld>
             <a:endParaRPr lang="en-US"/>
           </a:p>
@@ -2255,7 +2255,7 @@
           <a:p>
             <a:fld id="{39B7EDB1-CE74-4951-85A2-0B01C2128E28}" type="datetime1">
               <a:rPr lang="en-US" smtClean="0"/>
-              <a:t>10/20/2021</a:t>
+              <a:t>2/8/2022</a:t>
             </a:fld>
             <a:endParaRPr lang="en-US"/>
           </a:p>
@@ -2704,7 +2704,7 @@
           <a:p>
             <a:fld id="{2BC7EB92-A5C2-4807-A9DC-9EDE6CBFB241}" type="datetime1">
               <a:rPr lang="en-US" smtClean="0"/>
-              <a:t>10/20/2021</a:t>
+              <a:t>2/8/2022</a:t>
             </a:fld>
             <a:endParaRPr lang="en-US"/>
           </a:p>
@@ -2851,7 +2851,7 @@
           <a:p>
             <a:fld id="{109E55A0-C911-4F03-82FC-7E5926047D46}" type="datetime1">
               <a:rPr lang="en-US" smtClean="0"/>
-              <a:t>10/20/2021</a:t>
+              <a:t>2/8/2022</a:t>
             </a:fld>
             <a:endParaRPr lang="en-US"/>
           </a:p>
@@ -3000,7 +3000,7 @@
           <a:p>
             <a:fld id="{2B7B7EE0-7771-4CD5-9B2B-3550753A54A1}" type="datetime1">
               <a:rPr lang="en-US" smtClean="0"/>
-              <a:t>10/20/2021</a:t>
+              <a:t>2/8/2022</a:t>
             </a:fld>
             <a:endParaRPr lang="en-US"/>
           </a:p>
@@ -3311,7 +3311,7 @@
           <a:p>
             <a:fld id="{F8B318B3-0E87-4416-A9B8-D891968C2727}" type="datetime1">
               <a:rPr lang="en-US" smtClean="0"/>
-              <a:t>10/20/2021</a:t>
+              <a:t>2/8/2022</a:t>
             </a:fld>
             <a:endParaRPr lang="en-US"/>
           </a:p>
@@ -3602,7 +3602,7 @@
           <a:p>
             <a:fld id="{EA476A42-A091-4468-A075-64A31BE59948}" type="datetime1">
               <a:rPr lang="en-US" smtClean="0"/>
-              <a:t>10/20/2021</a:t>
+              <a:t>2/8/2022</a:t>
             </a:fld>
             <a:endParaRPr lang="en-US"/>
           </a:p>
@@ -3845,7 +3845,7 @@
           <a:p>
             <a:fld id="{54D997E8-DDEE-43F1-8D9B-F8A1E11DE488}" type="datetime1">
               <a:rPr lang="en-US" smtClean="0"/>
-              <a:t>10/20/2021</a:t>
+              <a:t>2/8/2022</a:t>
             </a:fld>
             <a:endParaRPr lang="en-US"/>
           </a:p>
@@ -4313,13 +4313,13 @@
               <a:rPr lang="en-US" altLang="en-US" sz="3200" dirty="0">
                 <a:sym typeface="Helvetica Neue" charset="0"/>
               </a:rPr>
-              <a:t>Lesson 7</a:t>
+              <a:t>Lesson 5</a:t>
             </a:r>
             <a:r>
               <a:rPr lang="en-US" altLang="en-US" dirty="0">
                 <a:sym typeface="Helvetica Neue" charset="0"/>
               </a:rPr>
-              <a:t>.4</a:t>
+              <a:t>.3</a:t>
             </a:r>
             <a:r>
               <a:rPr lang="en-US" altLang="en-US" sz="3200" dirty="0">
@@ -4349,7 +4349,9 @@
         </p:nvSpPr>
         <p:spPr/>
         <p:txBody>
-          <a:bodyPr/>
+          <a:bodyPr>
+            <a:normAutofit/>
+          </a:bodyPr>
           <a:lstStyle/>
           <a:p>
             <a:pPr>
@@ -4358,8 +4360,8 @@
               </a:lnSpc>
             </a:pPr>
             <a:r>
-              <a:rPr lang="en-US" dirty="0"/>
-              <a:t>Adeel Bhutta, Frank Tip, Jan Vitek, Mitch Wand</a:t>
+              <a:rPr lang="en-US" sz="2400" dirty="0"/>
+              <a:t>Jonathan Bell, Adeel Bhutta, Ferdinand Vesely, Mitch Wand</a:t>
             </a:r>
           </a:p>
           <a:p>
@@ -4369,12 +4371,14 @@
               </a:lnSpc>
             </a:pPr>
             <a:r>
-              <a:rPr lang="en-US" dirty="0"/>
-              <a:t>Khoury College of Computer Sciences</a:t>
-            </a:r>
-          </a:p>
-          <a:p>
-            <a:endParaRPr lang="en-US" dirty="0"/>
+              <a:rPr lang="en-US" sz="2400" dirty="0"/>
+              <a:t>Khoury College of Computer </a:t>
+            </a:r>
+            <a:r>
+              <a:rPr lang="en-US" sz="2400" dirty="0" err="1"/>
+              <a:t>Sciencesa</a:t>
+            </a:r>
+            <a:endParaRPr lang="en-US" sz="2400" dirty="0"/>
           </a:p>
         </p:txBody>
       </p:sp>
@@ -4441,7 +4445,7 @@
                   <a:srgbClr val="5C5962"/>
                 </a:solidFill>
               </a:rPr>
-              <a:t>© 2021 Released under the </a:t>
+              <a:t>© 2022 Released under the </a:t>
             </a:r>
             <a:r>
               <a:rPr lang="en-US" dirty="0">
@@ -7162,7 +7166,7 @@
             <a:effectLst/>
             <a:extLst>
               <a:ext uri="{C572A759-6A51-4108-AA02-DFA0A04FC94B}">
-                <ma14:wrappingTextBoxFlag xmlns="" xmlns:m="http://schemas.openxmlformats.org/officeDocument/2006/math" xmlns:a14="http://schemas.microsoft.com/office/drawing/2010/main" xmlns:ma14="http://schemas.microsoft.com/office/mac/drawingml/2011/main" val="1"/>
+                <ma14:wrappingTextBoxFlag xmlns:ma14="http://schemas.microsoft.com/office/mac/drawingml/2011/main" xmlns:a14="http://schemas.microsoft.com/office/drawing/2010/main" xmlns:m="http://schemas.openxmlformats.org/officeDocument/2006/math" xmlns="" val="1"/>
               </a:ext>
             </a:extLst>
           </p:spPr>
@@ -7223,7 +7227,7 @@
             <a:effectLst/>
             <a:extLst>
               <a:ext uri="{C572A759-6A51-4108-AA02-DFA0A04FC94B}">
-                <ma14:wrappingTextBoxFlag xmlns="" xmlns:m="http://schemas.openxmlformats.org/officeDocument/2006/math" xmlns:a14="http://schemas.microsoft.com/office/drawing/2010/main" xmlns:ma14="http://schemas.microsoft.com/office/mac/drawingml/2011/main" val="1"/>
+                <ma14:wrappingTextBoxFlag xmlns:ma14="http://schemas.microsoft.com/office/mac/drawingml/2011/main" xmlns:a14="http://schemas.microsoft.com/office/drawing/2010/main" xmlns:m="http://schemas.openxmlformats.org/officeDocument/2006/math" xmlns="" val="1"/>
               </a:ext>
             </a:extLst>
           </p:spPr>
@@ -7284,7 +7288,7 @@
             <a:effectLst/>
             <a:extLst>
               <a:ext uri="{C572A759-6A51-4108-AA02-DFA0A04FC94B}">
-                <ma14:wrappingTextBoxFlag xmlns="" xmlns:m="http://schemas.openxmlformats.org/officeDocument/2006/math" xmlns:a14="http://schemas.microsoft.com/office/drawing/2010/main" xmlns:ma14="http://schemas.microsoft.com/office/mac/drawingml/2011/main" val="1"/>
+                <ma14:wrappingTextBoxFlag xmlns:ma14="http://schemas.microsoft.com/office/mac/drawingml/2011/main" xmlns:a14="http://schemas.microsoft.com/office/drawing/2010/main" xmlns:m="http://schemas.openxmlformats.org/officeDocument/2006/math" xmlns="" val="1"/>
               </a:ext>
             </a:extLst>
           </p:spPr>
